--- a/9-Quản lý users.pptx
+++ b/9-Quản lý users.pptx
@@ -5,7 +5,7 @@
     <p:sldMasterId id="2147483660" r:id="rId2"/>
   </p:sldMasterIdLst>
   <p:notesMasterIdLst>
-    <p:notesMasterId r:id="rId17"/>
+    <p:notesMasterId r:id="rId18"/>
   </p:notesMasterIdLst>
   <p:sldIdLst>
     <p:sldId id="256" r:id="rId3"/>
@@ -22,6 +22,7 @@
     <p:sldId id="265" r:id="rId14"/>
     <p:sldId id="266" r:id="rId15"/>
     <p:sldId id="270" r:id="rId16"/>
+    <p:sldId id="271" r:id="rId17"/>
   </p:sldIdLst>
   <p:sldSz cx="12192000" cy="6858000"/>
   <p:notesSz cx="7104063" cy="10234613"/>
@@ -143,6 +144,7 @@
           <p14:sldIdLst>
             <p14:sldId id="266"/>
             <p14:sldId id="270"/>
+            <p14:sldId id="271"/>
           </p14:sldIdLst>
         </p14:section>
       </p14:sectionLst>
@@ -260,7 +262,7 @@
           <a:p>
             <a:fld id="{EC13577B-6902-467D-A26C-08A0DD5E4E03}" type="datetimeFigureOut">
               <a:rPr lang="en-US" smtClean="0"/>
-              <a:t>10/28/2021</a:t>
+              <a:t>10/20/2023</a:t>
             </a:fld>
             <a:endParaRPr lang="en-US" dirty="0"/>
           </a:p>
@@ -896,7 +898,7 @@
           <a:p>
             <a:fld id="{8BEEBAAA-29B5-4AF5-BC5F-7E580C29002D}" type="datetimeFigureOut">
               <a:rPr lang="en-US" smtClean="0"/>
-              <a:t>10/28/2021</a:t>
+              <a:t>10/20/2023</a:t>
             </a:fld>
             <a:endParaRPr lang="en-US" dirty="0"/>
           </a:p>
@@ -1134,7 +1136,7 @@
             <a:fld id="{8BEEBAAA-29B5-4AF5-BC5F-7E580C29002D}" type="datetimeFigureOut">
               <a:rPr lang="en-US" smtClean="0"/>
               <a:pPr/>
-              <a:t>10/28/2021</a:t>
+              <a:t>10/20/2023</a:t>
             </a:fld>
             <a:endParaRPr lang="en-US" dirty="0"/>
           </a:p>
@@ -1363,7 +1365,7 @@
             <a:fld id="{8BEEBAAA-29B5-4AF5-BC5F-7E580C29002D}" type="datetimeFigureOut">
               <a:rPr lang="en-US" smtClean="0"/>
               <a:pPr/>
-              <a:t>10/28/2021</a:t>
+              <a:t>10/20/2023</a:t>
             </a:fld>
             <a:endParaRPr lang="en-US" dirty="0"/>
           </a:p>
@@ -6987,13 +6989,8 @@
             </a:r>
             <a:r>
               <a:rPr lang="en-US" altLang="en-US" sz="2000" dirty="0"/>
-              <a:t> can log in and create objects up to one megabyte in size </a:t>
-            </a:r>
-            <a:r>
-              <a:rPr lang="en-US" altLang="en-US" sz="2000"/>
-              <a:t>in the tablespace USERS. </a:t>
-            </a:r>
-            <a:endParaRPr lang="en-US" altLang="en-US" sz="2000" dirty="0"/>
+              <a:t> can log in and create objects up to one megabyte in size in the tablespace USERS. </a:t>
+            </a:r>
           </a:p>
           <a:p>
             <a:pPr marL="457200" lvl="2" indent="-228600"/>
@@ -7055,76 +7052,76 @@
           <a:p>
             <a:pPr marL="457200" lvl="2" indent="-228600"/>
             <a:r>
-              <a:rPr lang="en-US" altLang="en-US" sz="2000" b="1">
+              <a:rPr lang="en-US" altLang="en-US" sz="2000" b="1" dirty="0">
                 <a:latin typeface="Arial" pitchFamily="34" charset="0"/>
               </a:rPr>
               <a:t>2</a:t>
             </a:r>
             <a:r>
-              <a:rPr lang="en-US" altLang="en-US" sz="2000"/>
+              <a:rPr lang="en-US" altLang="en-US" sz="2000" dirty="0"/>
               <a:t>	Create a user </a:t>
             </a:r>
             <a:r>
-              <a:rPr lang="en-US" altLang="en-US" sz="2000">
+              <a:rPr lang="en-US" altLang="en-US" sz="2000" dirty="0">
                 <a:latin typeface="Courier New" pitchFamily="49" charset="0"/>
               </a:rPr>
               <a:t>Emi</a:t>
             </a:r>
             <a:r>
-              <a:rPr lang="en-US" altLang="en-US" sz="2000"/>
+              <a:rPr lang="en-US" altLang="en-US" sz="2000" dirty="0"/>
               <a:t> with a password of </a:t>
             </a:r>
             <a:r>
-              <a:rPr lang="en-US" altLang="en-US" sz="2000">
+              <a:rPr lang="en-US" altLang="en-US" sz="2000" dirty="0">
                 <a:latin typeface="Courier New" pitchFamily="49" charset="0"/>
               </a:rPr>
               <a:t>Mary</a:t>
             </a:r>
             <a:r>
-              <a:rPr lang="en-US" altLang="en-US" sz="2000"/>
+              <a:rPr lang="en-US" altLang="en-US" sz="2000" dirty="0"/>
               <a:t>. Make sure that any objects and sort segments created by </a:t>
             </a:r>
             <a:r>
-              <a:rPr lang="en-US" altLang="en-US" sz="2000">
+              <a:rPr lang="en-US" altLang="en-US" sz="2000" dirty="0">
                 <a:latin typeface="Courier New" pitchFamily="49" charset="0"/>
               </a:rPr>
               <a:t>Emi</a:t>
             </a:r>
             <a:r>
-              <a:rPr lang="en-US" altLang="en-US" sz="2000"/>
+              <a:rPr lang="en-US" altLang="en-US" sz="2000" dirty="0"/>
               <a:t> are not created in the system tablespace.</a:t>
             </a:r>
           </a:p>
           <a:p>
             <a:pPr marL="457200" lvl="2" indent="-228600"/>
             <a:r>
-              <a:rPr lang="en-US" altLang="en-US" sz="2000" b="1">
+              <a:rPr lang="en-US" altLang="en-US" sz="2000" b="1" dirty="0">
                 <a:latin typeface="Arial" pitchFamily="34" charset="0"/>
               </a:rPr>
               <a:t>3</a:t>
             </a:r>
             <a:r>
-              <a:rPr lang="en-US" altLang="en-US" sz="2000"/>
+              <a:rPr lang="en-US" altLang="en-US" sz="2000" dirty="0"/>
               <a:t>	Display the information on </a:t>
             </a:r>
             <a:r>
-              <a:rPr lang="en-US" altLang="en-US" sz="2000">
+              <a:rPr lang="en-US" altLang="en-US" sz="2000" dirty="0">
                 <a:latin typeface="Courier New" pitchFamily="49" charset="0"/>
               </a:rPr>
               <a:t>Bob</a:t>
             </a:r>
             <a:r>
-              <a:rPr lang="en-US" altLang="en-US" sz="2000"/>
+              <a:rPr lang="en-US" altLang="en-US" sz="2000" dirty="0"/>
               <a:t> and </a:t>
             </a:r>
             <a:r>
-              <a:rPr lang="en-US" altLang="en-US" sz="2000">
+              <a:rPr lang="en-US" altLang="en-US" sz="2000" dirty="0">
                 <a:latin typeface="Courier New" pitchFamily="49" charset="0"/>
               </a:rPr>
               <a:t>Emi</a:t>
             </a:r>
             <a:r>
-              <a:rPr lang="en-US" altLang="en-US" sz="2000"/>
+              <a:rPr lang="en-US" altLang="en-US" sz="2000" dirty="0"/>
               <a:t> from the data dictionary.</a:t>
             </a:r>
           </a:p>
@@ -7599,6 +7596,1025 @@
     <p:extLst>
       <p:ext uri="{BB962C8B-B14F-4D97-AF65-F5344CB8AC3E}">
         <p14:creationId xmlns:p14="http://schemas.microsoft.com/office/powerpoint/2010/main" val="3850925398"/>
+      </p:ext>
+    </p:extLst>
+  </p:cSld>
+  <p:clrMapOvr>
+    <a:masterClrMapping/>
+  </p:clrMapOvr>
+</p:sld>
+</file>
+
+<file path=ppt/slides/slide15.xml><?xml version="1.0" encoding="utf-8"?>
+<p:sld xmlns:a="http://schemas.openxmlformats.org/drawingml/2006/main" xmlns:r="http://schemas.openxmlformats.org/officeDocument/2006/relationships" xmlns:p="http://schemas.openxmlformats.org/presentationml/2006/main">
+  <p:cSld>
+    <p:spTree>
+      <p:nvGrpSpPr>
+        <p:cNvPr id="1" name=""/>
+        <p:cNvGrpSpPr/>
+        <p:nvPr/>
+      </p:nvGrpSpPr>
+      <p:grpSpPr>
+        <a:xfrm>
+          <a:off x="0" y="0"/>
+          <a:ext cx="0" cy="0"/>
+          <a:chOff x="0" y="0"/>
+          <a:chExt cx="0" cy="0"/>
+        </a:xfrm>
+      </p:grpSpPr>
+      <p:sp>
+        <p:nvSpPr>
+          <p:cNvPr id="3" name="TextBox 2">
+            <a:extLst>
+              <a:ext uri="{FF2B5EF4-FFF2-40B4-BE49-F238E27FC236}">
+                <a16:creationId xmlns:a16="http://schemas.microsoft.com/office/drawing/2014/main" id="{42AA7D4D-F36F-4C64-A457-C4745F23F1B9}"/>
+              </a:ext>
+            </a:extLst>
+          </p:cNvPr>
+          <p:cNvSpPr txBox="1"/>
+          <p:nvPr/>
+        </p:nvSpPr>
+        <p:spPr>
+          <a:xfrm>
+            <a:off x="654424" y="1317812"/>
+            <a:ext cx="11062447" cy="4975412"/>
+          </a:xfrm>
+          <a:prstGeom prst="rect">
+            <a:avLst/>
+          </a:prstGeom>
+          <a:noFill/>
+        </p:spPr>
+        <p:txBody>
+          <a:bodyPr wrap="square" rtlCol="0">
+            <a:spAutoFit/>
+          </a:bodyPr>
+          <a:lstStyle/>
+          <a:p>
+            <a:endParaRPr lang="en-US" dirty="0"/>
+          </a:p>
+        </p:txBody>
+      </p:sp>
+      <p:sp>
+        <p:nvSpPr>
+          <p:cNvPr id="6" name="Rectangle 3">
+            <a:extLst>
+              <a:ext uri="{FF2B5EF4-FFF2-40B4-BE49-F238E27FC236}">
+                <a16:creationId xmlns:a16="http://schemas.microsoft.com/office/drawing/2014/main" id="{AC6216F5-73D4-4186-B156-125BA9F37BB9}"/>
+              </a:ext>
+            </a:extLst>
+          </p:cNvPr>
+          <p:cNvSpPr>
+            <a:spLocks noGrp="1" noChangeArrowheads="1"/>
+          </p:cNvSpPr>
+          <p:nvPr>
+            <p:ph type="title"/>
+          </p:nvPr>
+        </p:nvSpPr>
+        <p:spPr bwMode="auto">
+          <a:xfrm>
+            <a:off x="360593" y="2069143"/>
+            <a:ext cx="11356277" cy="3600986"/>
+          </a:xfrm>
+          <a:prstGeom prst="rect">
+            <a:avLst/>
+          </a:prstGeom>
+          <a:solidFill>
+            <a:srgbClr val="282C34"/>
+          </a:solidFill>
+          <a:ln>
+            <a:noFill/>
+          </a:ln>
+          <a:effectLst/>
+          <a:extLst>
+            <a:ext uri="{91240B29-F687-4F45-9708-019B960494DF}">
+              <a14:hiddenLine xmlns:a14="http://schemas.microsoft.com/office/drawing/2010/main" w="9525">
+                <a:solidFill>
+                  <a:schemeClr val="tx1"/>
+                </a:solidFill>
+                <a:miter lim="800000"/>
+                <a:headEnd/>
+                <a:tailEnd/>
+              </a14:hiddenLine>
+            </a:ext>
+            <a:ext uri="{AF507438-7753-43E0-B8FC-AC1667EBCBE1}">
+              <a14:hiddenEffects xmlns:a14="http://schemas.microsoft.com/office/drawing/2010/main">
+                <a:effectLst>
+                  <a:outerShdw dist="35921" dir="2700000" algn="ctr" rotWithShape="0">
+                    <a:schemeClr val="bg2"/>
+                  </a:outerShdw>
+                </a:effectLst>
+              </a14:hiddenEffects>
+            </a:ext>
+          </a:extLst>
+        </p:spPr>
+        <p:txBody>
+          <a:bodyPr vert="horz" wrap="square" lIns="0" tIns="0" rIns="0" bIns="0" numCol="1" anchor="ctr" anchorCtr="0" compatLnSpc="1">
+            <a:prstTxWarp prst="textNoShape">
+              <a:avLst/>
+            </a:prstTxWarp>
+            <a:spAutoFit/>
+          </a:bodyPr>
+          <a:lstStyle/>
+          <a:p>
+            <a:pPr marL="0" marR="0" lvl="0" indent="0" algn="l" defTabSz="914400" rtl="0" eaLnBrk="0" fontAlgn="base" latinLnBrk="0" hangingPunct="0">
+              <a:lnSpc>
+                <a:spcPct val="100000"/>
+              </a:lnSpc>
+              <a:spcBef>
+                <a:spcPct val="0"/>
+              </a:spcBef>
+              <a:spcAft>
+                <a:spcPct val="0"/>
+              </a:spcAft>
+              <a:buClrTx/>
+              <a:buSzTx/>
+              <a:buFontTx/>
+              <a:buNone/>
+              <a:tabLst/>
+            </a:pPr>
+            <a:endParaRPr kumimoji="0" lang="en-US" altLang="en-US" sz="1800" b="0" i="0" u="none" strike="noStrike" cap="none" normalizeH="0" baseline="0" dirty="0">
+              <a:ln>
+                <a:noFill/>
+              </a:ln>
+              <a:effectLst/>
+              <a:latin typeface="Arial" panose="020B0604020202020204" pitchFamily="34" charset="0"/>
+            </a:endParaRPr>
+          </a:p>
+          <a:p>
+            <a:pPr marL="0" marR="0" lvl="0" indent="0" algn="l" defTabSz="914400" rtl="0" eaLnBrk="0" fontAlgn="base" latinLnBrk="0" hangingPunct="0">
+              <a:lnSpc>
+                <a:spcPct val="100000"/>
+              </a:lnSpc>
+              <a:spcBef>
+                <a:spcPct val="0"/>
+              </a:spcBef>
+              <a:spcAft>
+                <a:spcPct val="0"/>
+              </a:spcAft>
+              <a:buClrTx/>
+              <a:buSzTx/>
+              <a:buFontTx/>
+              <a:buAutoNum type="arabicPeriod"/>
+              <a:tabLst/>
+            </a:pPr>
+            <a:r>
+              <a:rPr kumimoji="0" lang="en-US" altLang="en-US" sz="1800" b="0" i="0" u="none" strike="noStrike" cap="none" normalizeH="0" baseline="0" dirty="0" err="1">
+                <a:ln>
+                  <a:noFill/>
+                </a:ln>
+                <a:effectLst/>
+                <a:latin typeface="-apple-system"/>
+              </a:rPr>
+              <a:t>Tạo</a:t>
+            </a:r>
+            <a:r>
+              <a:rPr kumimoji="0" lang="en-US" altLang="en-US" sz="1800" b="0" i="0" u="none" strike="noStrike" cap="none" normalizeH="0" baseline="0" dirty="0">
+                <a:ln>
+                  <a:noFill/>
+                </a:ln>
+                <a:effectLst/>
+                <a:latin typeface="-apple-system"/>
+              </a:rPr>
+              <a:t> 2 tablespace tbs01 </a:t>
+            </a:r>
+            <a:r>
+              <a:rPr kumimoji="0" lang="en-US" altLang="en-US" sz="1800" b="0" i="0" u="none" strike="noStrike" cap="none" normalizeH="0" baseline="0" dirty="0" err="1">
+                <a:ln>
+                  <a:noFill/>
+                </a:ln>
+                <a:effectLst/>
+                <a:latin typeface="-apple-system"/>
+              </a:rPr>
+              <a:t>và</a:t>
+            </a:r>
+            <a:r>
+              <a:rPr kumimoji="0" lang="en-US" altLang="en-US" sz="1800" b="0" i="0" u="none" strike="noStrike" cap="none" normalizeH="0" baseline="0" dirty="0">
+                <a:ln>
+                  <a:noFill/>
+                </a:ln>
+                <a:effectLst/>
+                <a:latin typeface="-apple-system"/>
+              </a:rPr>
+              <a:t> tbs02:</a:t>
+            </a:r>
+          </a:p>
+          <a:p>
+            <a:pPr marL="0" marR="0" lvl="0" indent="0" algn="l" defTabSz="914400" rtl="0" eaLnBrk="0" fontAlgn="base" latinLnBrk="0" hangingPunct="0">
+              <a:lnSpc>
+                <a:spcPct val="100000"/>
+              </a:lnSpc>
+              <a:spcBef>
+                <a:spcPct val="0"/>
+              </a:spcBef>
+              <a:spcAft>
+                <a:spcPct val="0"/>
+              </a:spcAft>
+              <a:buClrTx/>
+              <a:buSzTx/>
+              <a:buFontTx/>
+              <a:buNone/>
+              <a:tabLst/>
+            </a:pPr>
+            <a:r>
+              <a:rPr kumimoji="0" lang="en-US" altLang="en-US" sz="800" b="0" i="0" u="none" strike="noStrike" cap="none" normalizeH="0" baseline="0" dirty="0" err="1">
+                <a:ln>
+                  <a:noFill/>
+                </a:ln>
+                <a:effectLst/>
+                <a:latin typeface="ui-monospace"/>
+              </a:rPr>
+              <a:t>sql</a:t>
+            </a:r>
+            <a:endParaRPr kumimoji="0" lang="en-US" altLang="en-US" sz="1000" b="0" i="0" u="none" strike="noStrike" cap="none" normalizeH="0" baseline="0" dirty="0">
+              <a:ln>
+                <a:noFill/>
+              </a:ln>
+              <a:effectLst/>
+              <a:latin typeface="ui-monospace"/>
+            </a:endParaRPr>
+          </a:p>
+          <a:p>
+            <a:pPr marL="0" marR="0" lvl="0" indent="0" algn="l" defTabSz="914400" rtl="0" eaLnBrk="0" fontAlgn="base" latinLnBrk="0" hangingPunct="0">
+              <a:lnSpc>
+                <a:spcPct val="100000"/>
+              </a:lnSpc>
+              <a:spcBef>
+                <a:spcPct val="0"/>
+              </a:spcBef>
+              <a:spcAft>
+                <a:spcPct val="0"/>
+              </a:spcAft>
+              <a:buClrTx/>
+              <a:buSzTx/>
+              <a:buFontTx/>
+              <a:buNone/>
+              <a:tabLst/>
+            </a:pPr>
+            <a:r>
+              <a:rPr kumimoji="0" lang="en-US" altLang="en-US" sz="800" b="0" i="0" u="none" strike="noStrike" cap="none" normalizeH="0" baseline="0" dirty="0">
+                <a:ln>
+                  <a:noFill/>
+                </a:ln>
+                <a:effectLst/>
+                <a:latin typeface="ui-monospace"/>
+              </a:rPr>
+              <a:t>Copy code</a:t>
+            </a:r>
+            <a:endParaRPr kumimoji="0" lang="en-US" altLang="en-US" sz="1000" b="0" i="0" u="none" strike="noStrike" cap="none" normalizeH="0" baseline="0" dirty="0">
+              <a:ln>
+                <a:noFill/>
+              </a:ln>
+              <a:effectLst/>
+              <a:latin typeface="ui-monospace"/>
+            </a:endParaRPr>
+          </a:p>
+          <a:p>
+            <a:pPr marL="0" marR="0" lvl="0" indent="0" algn="l" defTabSz="914400" rtl="0" eaLnBrk="0" fontAlgn="base" latinLnBrk="0" hangingPunct="0">
+              <a:lnSpc>
+                <a:spcPct val="100000"/>
+              </a:lnSpc>
+              <a:spcBef>
+                <a:spcPct val="0"/>
+              </a:spcBef>
+              <a:spcAft>
+                <a:spcPct val="0"/>
+              </a:spcAft>
+              <a:buClrTx/>
+              <a:buSzTx/>
+              <a:buFontTx/>
+              <a:buNone/>
+              <a:tabLst/>
+            </a:pPr>
+            <a:r>
+              <a:rPr kumimoji="0" lang="en-US" altLang="en-US" sz="1000" b="0" i="0" u="none" strike="noStrike" cap="none" normalizeH="0" baseline="0" dirty="0">
+                <a:ln>
+                  <a:noFill/>
+                </a:ln>
+                <a:effectLst/>
+                <a:latin typeface="Fira Code" panose="020B0809050000020004" pitchFamily="49" charset="0"/>
+              </a:rPr>
+              <a:t>CREATE TABLESPACE tbs01 DATAFILE 'data01.dbf' SIZE 1M AUTOEXTEND ON; CREATE TABLESPACE tbs02 DATAFILE 'data02.dbf' SIZE 500K, 'data03.dbf' SIZE 1M AUTOEXTEND ON;</a:t>
+            </a:r>
+            <a:endParaRPr kumimoji="0" lang="en-US" altLang="en-US" sz="800" b="0" i="0" u="none" strike="noStrike" cap="none" normalizeH="0" baseline="0" dirty="0">
+              <a:ln>
+                <a:noFill/>
+              </a:ln>
+              <a:effectLst/>
+            </a:endParaRPr>
+          </a:p>
+          <a:p>
+            <a:pPr marL="0" marR="0" lvl="0" indent="0" algn="l" defTabSz="914400" rtl="0" eaLnBrk="0" fontAlgn="base" latinLnBrk="0" hangingPunct="0">
+              <a:lnSpc>
+                <a:spcPct val="100000"/>
+              </a:lnSpc>
+              <a:spcBef>
+                <a:spcPct val="0"/>
+              </a:spcBef>
+              <a:spcAft>
+                <a:spcPct val="0"/>
+              </a:spcAft>
+              <a:buClrTx/>
+              <a:buSzTx/>
+              <a:buFontTx/>
+              <a:buAutoNum type="arabicPeriod" startAt="2"/>
+              <a:tabLst/>
+            </a:pPr>
+            <a:r>
+              <a:rPr kumimoji="0" lang="en-US" altLang="en-US" sz="1800" b="0" i="0" u="none" strike="noStrike" cap="none" normalizeH="0" baseline="0" dirty="0" err="1">
+                <a:ln>
+                  <a:noFill/>
+                </a:ln>
+                <a:effectLst/>
+                <a:latin typeface="-apple-system"/>
+              </a:rPr>
+              <a:t>Tạo</a:t>
+            </a:r>
+            <a:r>
+              <a:rPr kumimoji="0" lang="en-US" altLang="en-US" sz="1800" b="0" i="0" u="none" strike="noStrike" cap="none" normalizeH="0" baseline="0" dirty="0">
+                <a:ln>
+                  <a:noFill/>
+                </a:ln>
+                <a:effectLst/>
+                <a:latin typeface="-apple-system"/>
+              </a:rPr>
+              <a:t> 2 user A </a:t>
+            </a:r>
+            <a:r>
+              <a:rPr kumimoji="0" lang="en-US" altLang="en-US" sz="1800" b="0" i="0" u="none" strike="noStrike" cap="none" normalizeH="0" baseline="0" dirty="0" err="1">
+                <a:ln>
+                  <a:noFill/>
+                </a:ln>
+                <a:effectLst/>
+                <a:latin typeface="-apple-system"/>
+              </a:rPr>
+              <a:t>và</a:t>
+            </a:r>
+            <a:r>
+              <a:rPr kumimoji="0" lang="en-US" altLang="en-US" sz="1800" b="0" i="0" u="none" strike="noStrike" cap="none" normalizeH="0" baseline="0" dirty="0">
+                <a:ln>
+                  <a:noFill/>
+                </a:ln>
+                <a:effectLst/>
+                <a:latin typeface="-apple-system"/>
+              </a:rPr>
+              <a:t> B:</a:t>
+            </a:r>
+          </a:p>
+          <a:p>
+            <a:pPr marL="0" marR="0" lvl="0" indent="0" algn="l" defTabSz="914400" rtl="0" eaLnBrk="0" fontAlgn="base" latinLnBrk="0" hangingPunct="0">
+              <a:lnSpc>
+                <a:spcPct val="100000"/>
+              </a:lnSpc>
+              <a:spcBef>
+                <a:spcPct val="0"/>
+              </a:spcBef>
+              <a:spcAft>
+                <a:spcPct val="0"/>
+              </a:spcAft>
+              <a:buClrTx/>
+              <a:buSzTx/>
+              <a:buFontTx/>
+              <a:buNone/>
+              <a:tabLst/>
+            </a:pPr>
+            <a:r>
+              <a:rPr kumimoji="0" lang="en-US" altLang="en-US" sz="800" b="0" i="0" u="none" strike="noStrike" cap="none" normalizeH="0" baseline="0" dirty="0" err="1">
+                <a:ln>
+                  <a:noFill/>
+                </a:ln>
+                <a:effectLst/>
+                <a:latin typeface="ui-monospace"/>
+              </a:rPr>
+              <a:t>sql</a:t>
+            </a:r>
+            <a:endParaRPr kumimoji="0" lang="en-US" altLang="en-US" sz="1000" b="0" i="0" u="none" strike="noStrike" cap="none" normalizeH="0" baseline="0" dirty="0">
+              <a:ln>
+                <a:noFill/>
+              </a:ln>
+              <a:effectLst/>
+              <a:latin typeface="ui-monospace"/>
+            </a:endParaRPr>
+          </a:p>
+          <a:p>
+            <a:pPr marL="0" marR="0" lvl="0" indent="0" algn="l" defTabSz="914400" rtl="0" eaLnBrk="0" fontAlgn="base" latinLnBrk="0" hangingPunct="0">
+              <a:lnSpc>
+                <a:spcPct val="100000"/>
+              </a:lnSpc>
+              <a:spcBef>
+                <a:spcPct val="0"/>
+              </a:spcBef>
+              <a:spcAft>
+                <a:spcPct val="0"/>
+              </a:spcAft>
+              <a:buClrTx/>
+              <a:buSzTx/>
+              <a:buFontTx/>
+              <a:buNone/>
+              <a:tabLst/>
+            </a:pPr>
+            <a:r>
+              <a:rPr kumimoji="0" lang="en-US" altLang="en-US" sz="800" b="0" i="0" u="none" strike="noStrike" cap="none" normalizeH="0" baseline="0" dirty="0">
+                <a:ln>
+                  <a:noFill/>
+                </a:ln>
+                <a:effectLst/>
+                <a:latin typeface="ui-monospace"/>
+              </a:rPr>
+              <a:t>Copy code</a:t>
+            </a:r>
+            <a:endParaRPr kumimoji="0" lang="en-US" altLang="en-US" sz="1000" b="0" i="0" u="none" strike="noStrike" cap="none" normalizeH="0" baseline="0" dirty="0">
+              <a:ln>
+                <a:noFill/>
+              </a:ln>
+              <a:effectLst/>
+              <a:latin typeface="ui-monospace"/>
+            </a:endParaRPr>
+          </a:p>
+          <a:p>
+            <a:pPr marL="0" marR="0" lvl="0" indent="0" algn="l" defTabSz="914400" rtl="0" eaLnBrk="0" fontAlgn="base" latinLnBrk="0" hangingPunct="0">
+              <a:lnSpc>
+                <a:spcPct val="100000"/>
+              </a:lnSpc>
+              <a:spcBef>
+                <a:spcPct val="0"/>
+              </a:spcBef>
+              <a:spcAft>
+                <a:spcPct val="0"/>
+              </a:spcAft>
+              <a:buClrTx/>
+              <a:buSzTx/>
+              <a:buFontTx/>
+              <a:buNone/>
+              <a:tabLst/>
+            </a:pPr>
+            <a:r>
+              <a:rPr kumimoji="0" lang="en-US" altLang="en-US" sz="1000" b="0" i="0" u="none" strike="noStrike" cap="none" normalizeH="0" baseline="0" dirty="0">
+                <a:ln>
+                  <a:noFill/>
+                </a:ln>
+                <a:effectLst/>
+                <a:latin typeface="Fira Code" panose="020B0809050000020004" pitchFamily="49" charset="0"/>
+              </a:rPr>
+              <a:t>CREATE USER A IDENTIFIED BY password DEFAULT TABLESPACE tbs01 TEMPORARY TABLESPACE temp; CREATE USER B IDENTIFIED BY password DEFAULT TABLESPACE tbs02 TEMPORARY TABLESPACE temp; GRANT CREATE SESSION, CREATE TABLE TO A, B; GRANT UNLIMITED TABLESPACE TO A; GRANT CREATE ANY TABLE TO A; GRANT CREATE TABLE ON tbs02 TO B;</a:t>
+            </a:r>
+            <a:endParaRPr kumimoji="0" lang="en-US" altLang="en-US" sz="800" b="0" i="0" u="none" strike="noStrike" cap="none" normalizeH="0" baseline="0" dirty="0">
+              <a:ln>
+                <a:noFill/>
+              </a:ln>
+              <a:effectLst/>
+            </a:endParaRPr>
+          </a:p>
+          <a:p>
+            <a:pPr marL="0" marR="0" lvl="0" indent="0" algn="l" defTabSz="914400" rtl="0" eaLnBrk="0" fontAlgn="base" latinLnBrk="0" hangingPunct="0">
+              <a:lnSpc>
+                <a:spcPct val="100000"/>
+              </a:lnSpc>
+              <a:spcBef>
+                <a:spcPct val="0"/>
+              </a:spcBef>
+              <a:spcAft>
+                <a:spcPct val="0"/>
+              </a:spcAft>
+              <a:buClrTx/>
+              <a:buSzTx/>
+              <a:buFontTx/>
+              <a:buAutoNum type="arabicPeriod" startAt="3"/>
+              <a:tabLst/>
+            </a:pPr>
+            <a:r>
+              <a:rPr kumimoji="0" lang="en-US" altLang="en-US" sz="1800" b="0" i="0" u="none" strike="noStrike" cap="none" normalizeH="0" baseline="0" dirty="0" err="1">
+                <a:ln>
+                  <a:noFill/>
+                </a:ln>
+                <a:effectLst/>
+                <a:latin typeface="-apple-system"/>
+              </a:rPr>
+              <a:t>Đăng</a:t>
+            </a:r>
+            <a:r>
+              <a:rPr kumimoji="0" lang="en-US" altLang="en-US" sz="1800" b="0" i="0" u="none" strike="noStrike" cap="none" normalizeH="0" baseline="0" dirty="0">
+                <a:ln>
+                  <a:noFill/>
+                </a:ln>
+                <a:effectLst/>
+                <a:latin typeface="-apple-system"/>
+              </a:rPr>
+              <a:t> </a:t>
+            </a:r>
+            <a:r>
+              <a:rPr kumimoji="0" lang="en-US" altLang="en-US" sz="1800" b="0" i="0" u="none" strike="noStrike" cap="none" normalizeH="0" baseline="0" dirty="0" err="1">
+                <a:ln>
+                  <a:noFill/>
+                </a:ln>
+                <a:effectLst/>
+                <a:latin typeface="-apple-system"/>
+              </a:rPr>
+              <a:t>nhập</a:t>
+            </a:r>
+            <a:r>
+              <a:rPr kumimoji="0" lang="en-US" altLang="en-US" sz="1800" b="0" i="0" u="none" strike="noStrike" cap="none" normalizeH="0" baseline="0" dirty="0">
+                <a:ln>
+                  <a:noFill/>
+                </a:ln>
+                <a:effectLst/>
+                <a:latin typeface="-apple-system"/>
+              </a:rPr>
+              <a:t> A, </a:t>
+            </a:r>
+            <a:r>
+              <a:rPr kumimoji="0" lang="en-US" altLang="en-US" sz="1800" b="0" i="0" u="none" strike="noStrike" cap="none" normalizeH="0" baseline="0" dirty="0" err="1">
+                <a:ln>
+                  <a:noFill/>
+                </a:ln>
+                <a:effectLst/>
+                <a:latin typeface="-apple-system"/>
+              </a:rPr>
+              <a:t>tạo</a:t>
+            </a:r>
+            <a:r>
+              <a:rPr kumimoji="0" lang="en-US" altLang="en-US" sz="1800" b="0" i="0" u="none" strike="noStrike" cap="none" normalizeH="0" baseline="0" dirty="0">
+                <a:ln>
+                  <a:noFill/>
+                </a:ln>
+                <a:effectLst/>
+                <a:latin typeface="-apple-system"/>
+              </a:rPr>
+              <a:t> </a:t>
+            </a:r>
+            <a:r>
+              <a:rPr kumimoji="0" lang="en-US" altLang="en-US" sz="1800" b="0" i="0" u="none" strike="noStrike" cap="none" normalizeH="0" baseline="0" dirty="0" err="1">
+                <a:ln>
+                  <a:noFill/>
+                </a:ln>
+                <a:effectLst/>
+                <a:latin typeface="-apple-system"/>
+              </a:rPr>
+              <a:t>bảng</a:t>
+            </a:r>
+            <a:r>
+              <a:rPr kumimoji="0" lang="en-US" altLang="en-US" sz="1800" b="0" i="0" u="none" strike="noStrike" cap="none" normalizeH="0" baseline="0" dirty="0">
+                <a:ln>
+                  <a:noFill/>
+                </a:ln>
+                <a:effectLst/>
+                <a:latin typeface="-apple-system"/>
+              </a:rPr>
+              <a:t> </a:t>
+            </a:r>
+            <a:r>
+              <a:rPr kumimoji="0" lang="en-US" altLang="en-US" sz="1800" b="0" i="0" u="none" strike="noStrike" cap="none" normalizeH="0" baseline="0" dirty="0" err="1">
+                <a:ln>
+                  <a:noFill/>
+                </a:ln>
+                <a:effectLst/>
+                <a:latin typeface="-apple-system"/>
+              </a:rPr>
+              <a:t>và</a:t>
+            </a:r>
+            <a:r>
+              <a:rPr kumimoji="0" lang="en-US" altLang="en-US" sz="1800" b="0" i="0" u="none" strike="noStrike" cap="none" normalizeH="0" baseline="0" dirty="0">
+                <a:ln>
+                  <a:noFill/>
+                </a:ln>
+                <a:effectLst/>
+                <a:latin typeface="-apple-system"/>
+              </a:rPr>
+              <a:t> insert </a:t>
+            </a:r>
+            <a:r>
+              <a:rPr kumimoji="0" lang="en-US" altLang="en-US" sz="1800" b="0" i="0" u="none" strike="noStrike" cap="none" normalizeH="0" baseline="0" dirty="0" err="1">
+                <a:ln>
+                  <a:noFill/>
+                </a:ln>
+                <a:effectLst/>
+                <a:latin typeface="-apple-system"/>
+              </a:rPr>
+              <a:t>dữ</a:t>
+            </a:r>
+            <a:r>
+              <a:rPr kumimoji="0" lang="en-US" altLang="en-US" sz="1800" b="0" i="0" u="none" strike="noStrike" cap="none" normalizeH="0" baseline="0" dirty="0">
+                <a:ln>
+                  <a:noFill/>
+                </a:ln>
+                <a:effectLst/>
+                <a:latin typeface="-apple-system"/>
+              </a:rPr>
+              <a:t> </a:t>
+            </a:r>
+            <a:r>
+              <a:rPr kumimoji="0" lang="en-US" altLang="en-US" sz="1800" b="0" i="0" u="none" strike="noStrike" cap="none" normalizeH="0" baseline="0" dirty="0" err="1">
+                <a:ln>
+                  <a:noFill/>
+                </a:ln>
+                <a:effectLst/>
+                <a:latin typeface="-apple-system"/>
+              </a:rPr>
+              <a:t>liệu</a:t>
+            </a:r>
+            <a:r>
+              <a:rPr kumimoji="0" lang="en-US" altLang="en-US" sz="1800" b="0" i="0" u="none" strike="noStrike" cap="none" normalizeH="0" baseline="0" dirty="0">
+                <a:ln>
+                  <a:noFill/>
+                </a:ln>
+                <a:effectLst/>
+                <a:latin typeface="-apple-system"/>
+              </a:rPr>
+              <a:t>:</a:t>
+            </a:r>
+          </a:p>
+          <a:p>
+            <a:pPr marL="0" marR="0" lvl="0" indent="0" algn="l" defTabSz="914400" rtl="0" eaLnBrk="0" fontAlgn="base" latinLnBrk="0" hangingPunct="0">
+              <a:lnSpc>
+                <a:spcPct val="100000"/>
+              </a:lnSpc>
+              <a:spcBef>
+                <a:spcPct val="0"/>
+              </a:spcBef>
+              <a:spcAft>
+                <a:spcPct val="0"/>
+              </a:spcAft>
+              <a:buClrTx/>
+              <a:buSzTx/>
+              <a:buFontTx/>
+              <a:buNone/>
+              <a:tabLst/>
+            </a:pPr>
+            <a:r>
+              <a:rPr kumimoji="0" lang="en-US" altLang="en-US" sz="800" b="0" i="0" u="none" strike="noStrike" cap="none" normalizeH="0" baseline="0" dirty="0" err="1">
+                <a:ln>
+                  <a:noFill/>
+                </a:ln>
+                <a:effectLst/>
+                <a:latin typeface="ui-monospace"/>
+              </a:rPr>
+              <a:t>sql</a:t>
+            </a:r>
+            <a:endParaRPr kumimoji="0" lang="en-US" altLang="en-US" sz="1000" b="0" i="0" u="none" strike="noStrike" cap="none" normalizeH="0" baseline="0" dirty="0">
+              <a:ln>
+                <a:noFill/>
+              </a:ln>
+              <a:effectLst/>
+              <a:latin typeface="ui-monospace"/>
+            </a:endParaRPr>
+          </a:p>
+          <a:p>
+            <a:pPr marL="0" marR="0" lvl="0" indent="0" algn="l" defTabSz="914400" rtl="0" eaLnBrk="0" fontAlgn="base" latinLnBrk="0" hangingPunct="0">
+              <a:lnSpc>
+                <a:spcPct val="100000"/>
+              </a:lnSpc>
+              <a:spcBef>
+                <a:spcPct val="0"/>
+              </a:spcBef>
+              <a:spcAft>
+                <a:spcPct val="0"/>
+              </a:spcAft>
+              <a:buClrTx/>
+              <a:buSzTx/>
+              <a:buFontTx/>
+              <a:buNone/>
+              <a:tabLst/>
+            </a:pPr>
+            <a:r>
+              <a:rPr kumimoji="0" lang="en-US" altLang="en-US" sz="800" b="0" i="0" u="none" strike="noStrike" cap="none" normalizeH="0" baseline="0" dirty="0">
+                <a:ln>
+                  <a:noFill/>
+                </a:ln>
+                <a:effectLst/>
+                <a:latin typeface="ui-monospace"/>
+              </a:rPr>
+              <a:t>Copy code</a:t>
+            </a:r>
+            <a:endParaRPr kumimoji="0" lang="en-US" altLang="en-US" sz="1000" b="0" i="0" u="none" strike="noStrike" cap="none" normalizeH="0" baseline="0" dirty="0">
+              <a:ln>
+                <a:noFill/>
+              </a:ln>
+              <a:effectLst/>
+              <a:latin typeface="ui-monospace"/>
+            </a:endParaRPr>
+          </a:p>
+          <a:p>
+            <a:pPr marL="0" marR="0" lvl="0" indent="0" algn="l" defTabSz="914400" rtl="0" eaLnBrk="0" fontAlgn="base" latinLnBrk="0" hangingPunct="0">
+              <a:lnSpc>
+                <a:spcPct val="100000"/>
+              </a:lnSpc>
+              <a:spcBef>
+                <a:spcPct val="0"/>
+              </a:spcBef>
+              <a:spcAft>
+                <a:spcPct val="0"/>
+              </a:spcAft>
+              <a:buClrTx/>
+              <a:buSzTx/>
+              <a:buFontTx/>
+              <a:buNone/>
+              <a:tabLst/>
+            </a:pPr>
+            <a:r>
+              <a:rPr kumimoji="0" lang="en-US" altLang="en-US" sz="1000" b="0" i="0" u="none" strike="noStrike" cap="none" normalizeH="0" baseline="0" dirty="0">
+                <a:ln>
+                  <a:noFill/>
+                </a:ln>
+                <a:effectLst/>
+                <a:latin typeface="Fira Code" panose="020B0809050000020004" pitchFamily="49" charset="0"/>
+              </a:rPr>
+              <a:t>CONNECT A CREATE TABLE tableA1 (id NUMBER, name VARCHAR2(50)) TABLESPACE tbs01; INSERT INTO tableA1 VALUES (1,'Tom'); CREATE TABLE tableA2 (id NUMBER) TABLESPACE tbs02; INSERT INTO tableA2 VALUES (1);</a:t>
+            </a:r>
+            <a:endParaRPr kumimoji="0" lang="en-US" altLang="en-US" sz="800" b="0" i="0" u="none" strike="noStrike" cap="none" normalizeH="0" baseline="0" dirty="0">
+              <a:ln>
+                <a:noFill/>
+              </a:ln>
+              <a:effectLst/>
+            </a:endParaRPr>
+          </a:p>
+          <a:p>
+            <a:pPr marL="0" marR="0" lvl="0" indent="0" algn="l" defTabSz="914400" rtl="0" eaLnBrk="0" fontAlgn="base" latinLnBrk="0" hangingPunct="0">
+              <a:lnSpc>
+                <a:spcPct val="100000"/>
+              </a:lnSpc>
+              <a:spcBef>
+                <a:spcPct val="0"/>
+              </a:spcBef>
+              <a:spcAft>
+                <a:spcPct val="0"/>
+              </a:spcAft>
+              <a:buClrTx/>
+              <a:buSzTx/>
+              <a:buFontTx/>
+              <a:buAutoNum type="arabicPeriod" startAt="4"/>
+              <a:tabLst/>
+            </a:pPr>
+            <a:r>
+              <a:rPr kumimoji="0" lang="en-US" altLang="en-US" sz="1800" b="0" i="0" u="none" strike="noStrike" cap="none" normalizeH="0" baseline="0" dirty="0" err="1">
+                <a:ln>
+                  <a:noFill/>
+                </a:ln>
+                <a:effectLst/>
+                <a:latin typeface="-apple-system"/>
+              </a:rPr>
+              <a:t>Đăng</a:t>
+            </a:r>
+            <a:r>
+              <a:rPr kumimoji="0" lang="en-US" altLang="en-US" sz="1800" b="0" i="0" u="none" strike="noStrike" cap="none" normalizeH="0" baseline="0" dirty="0">
+                <a:ln>
+                  <a:noFill/>
+                </a:ln>
+                <a:effectLst/>
+                <a:latin typeface="-apple-system"/>
+              </a:rPr>
+              <a:t> </a:t>
+            </a:r>
+            <a:r>
+              <a:rPr kumimoji="0" lang="en-US" altLang="en-US" sz="1800" b="0" i="0" u="none" strike="noStrike" cap="none" normalizeH="0" baseline="0" dirty="0" err="1">
+                <a:ln>
+                  <a:noFill/>
+                </a:ln>
+                <a:effectLst/>
+                <a:latin typeface="-apple-system"/>
+              </a:rPr>
+              <a:t>nhập</a:t>
+            </a:r>
+            <a:r>
+              <a:rPr kumimoji="0" lang="en-US" altLang="en-US" sz="1800" b="0" i="0" u="none" strike="noStrike" cap="none" normalizeH="0" baseline="0" dirty="0">
+                <a:ln>
+                  <a:noFill/>
+                </a:ln>
+                <a:effectLst/>
+                <a:latin typeface="-apple-system"/>
+              </a:rPr>
+              <a:t> SYS, </a:t>
+            </a:r>
+            <a:r>
+              <a:rPr kumimoji="0" lang="en-US" altLang="en-US" sz="1800" b="0" i="0" u="none" strike="noStrike" cap="none" normalizeH="0" baseline="0" dirty="0" err="1">
+                <a:ln>
+                  <a:noFill/>
+                </a:ln>
+                <a:effectLst/>
+                <a:latin typeface="-apple-system"/>
+              </a:rPr>
+              <a:t>cấp</a:t>
+            </a:r>
+            <a:r>
+              <a:rPr kumimoji="0" lang="en-US" altLang="en-US" sz="1800" b="0" i="0" u="none" strike="noStrike" cap="none" normalizeH="0" baseline="0" dirty="0">
+                <a:ln>
+                  <a:noFill/>
+                </a:ln>
+                <a:effectLst/>
+                <a:latin typeface="-apple-system"/>
+              </a:rPr>
+              <a:t> </a:t>
+            </a:r>
+            <a:r>
+              <a:rPr kumimoji="0" lang="en-US" altLang="en-US" sz="1800" b="0" i="0" u="none" strike="noStrike" cap="none" normalizeH="0" baseline="0" dirty="0" err="1">
+                <a:ln>
+                  <a:noFill/>
+                </a:ln>
+                <a:effectLst/>
+                <a:latin typeface="-apple-system"/>
+              </a:rPr>
+              <a:t>quyền</a:t>
+            </a:r>
+            <a:r>
+              <a:rPr kumimoji="0" lang="en-US" altLang="en-US" sz="1800" b="0" i="0" u="none" strike="noStrike" cap="none" normalizeH="0" baseline="0" dirty="0">
+                <a:ln>
+                  <a:noFill/>
+                </a:ln>
+                <a:effectLst/>
+                <a:latin typeface="-apple-system"/>
+              </a:rPr>
+              <a:t> </a:t>
+            </a:r>
+            <a:r>
+              <a:rPr kumimoji="0" lang="en-US" altLang="en-US" sz="1800" b="0" i="0" u="none" strike="noStrike" cap="none" normalizeH="0" baseline="0" dirty="0" err="1">
+                <a:ln>
+                  <a:noFill/>
+                </a:ln>
+                <a:effectLst/>
+                <a:latin typeface="-apple-system"/>
+              </a:rPr>
+              <a:t>cho</a:t>
+            </a:r>
+            <a:r>
+              <a:rPr kumimoji="0" lang="en-US" altLang="en-US" sz="1800" b="0" i="0" u="none" strike="noStrike" cap="none" normalizeH="0" baseline="0" dirty="0">
+                <a:ln>
+                  <a:noFill/>
+                </a:ln>
+                <a:effectLst/>
+                <a:latin typeface="-apple-system"/>
+              </a:rPr>
+              <a:t> B </a:t>
+            </a:r>
+            <a:r>
+              <a:rPr kumimoji="0" lang="en-US" altLang="en-US" sz="1800" b="0" i="0" u="none" strike="noStrike" cap="none" normalizeH="0" baseline="0" dirty="0" err="1">
+                <a:ln>
+                  <a:noFill/>
+                </a:ln>
+                <a:effectLst/>
+                <a:latin typeface="-apple-system"/>
+              </a:rPr>
+              <a:t>tạo</a:t>
+            </a:r>
+            <a:r>
+              <a:rPr kumimoji="0" lang="en-US" altLang="en-US" sz="1800" b="0" i="0" u="none" strike="noStrike" cap="none" normalizeH="0" baseline="0" dirty="0">
+                <a:ln>
+                  <a:noFill/>
+                </a:ln>
+                <a:effectLst/>
+                <a:latin typeface="-apple-system"/>
+              </a:rPr>
+              <a:t> </a:t>
+            </a:r>
+            <a:r>
+              <a:rPr kumimoji="0" lang="en-US" altLang="en-US" sz="1800" b="0" i="0" u="none" strike="noStrike" cap="none" normalizeH="0" baseline="0" dirty="0" err="1">
+                <a:ln>
+                  <a:noFill/>
+                </a:ln>
+                <a:effectLst/>
+                <a:latin typeface="-apple-system"/>
+              </a:rPr>
+              <a:t>bảng</a:t>
+            </a:r>
+            <a:r>
+              <a:rPr kumimoji="0" lang="en-US" altLang="en-US" sz="1800" b="0" i="0" u="none" strike="noStrike" cap="none" normalizeH="0" baseline="0" dirty="0">
+                <a:ln>
+                  <a:noFill/>
+                </a:ln>
+                <a:effectLst/>
+                <a:latin typeface="-apple-system"/>
+              </a:rPr>
+              <a:t> </a:t>
+            </a:r>
+            <a:r>
+              <a:rPr kumimoji="0" lang="en-US" altLang="en-US" sz="1800" b="0" i="0" u="none" strike="noStrike" cap="none" normalizeH="0" baseline="0" dirty="0" err="1">
+                <a:ln>
+                  <a:noFill/>
+                </a:ln>
+                <a:effectLst/>
+                <a:latin typeface="-apple-system"/>
+              </a:rPr>
+              <a:t>trên</a:t>
+            </a:r>
+            <a:r>
+              <a:rPr kumimoji="0" lang="en-US" altLang="en-US" sz="1800" b="0" i="0" u="none" strike="noStrike" cap="none" normalizeH="0" baseline="0" dirty="0">
+                <a:ln>
+                  <a:noFill/>
+                </a:ln>
+                <a:effectLst/>
+                <a:latin typeface="-apple-system"/>
+              </a:rPr>
+              <a:t> tbs01:</a:t>
+            </a:r>
+          </a:p>
+          <a:p>
+            <a:pPr marL="0" marR="0" lvl="0" indent="0" algn="l" defTabSz="914400" rtl="0" eaLnBrk="0" fontAlgn="base" latinLnBrk="0" hangingPunct="0">
+              <a:lnSpc>
+                <a:spcPct val="100000"/>
+              </a:lnSpc>
+              <a:spcBef>
+                <a:spcPct val="0"/>
+              </a:spcBef>
+              <a:spcAft>
+                <a:spcPct val="0"/>
+              </a:spcAft>
+              <a:buClrTx/>
+              <a:buSzTx/>
+              <a:buFontTx/>
+              <a:buNone/>
+              <a:tabLst/>
+            </a:pPr>
+            <a:r>
+              <a:rPr kumimoji="0" lang="en-US" altLang="en-US" sz="800" b="0" i="0" u="none" strike="noStrike" cap="none" normalizeH="0" baseline="0" dirty="0" err="1">
+                <a:ln>
+                  <a:noFill/>
+                </a:ln>
+                <a:effectLst/>
+                <a:latin typeface="ui-monospace"/>
+              </a:rPr>
+              <a:t>sql</a:t>
+            </a:r>
+            <a:endParaRPr kumimoji="0" lang="en-US" altLang="en-US" sz="1000" b="0" i="0" u="none" strike="noStrike" cap="none" normalizeH="0" baseline="0" dirty="0">
+              <a:ln>
+                <a:noFill/>
+              </a:ln>
+              <a:effectLst/>
+              <a:latin typeface="ui-monospace"/>
+            </a:endParaRPr>
+          </a:p>
+          <a:p>
+            <a:pPr marL="0" marR="0" lvl="0" indent="0" algn="l" defTabSz="914400" rtl="0" eaLnBrk="0" fontAlgn="base" latinLnBrk="0" hangingPunct="0">
+              <a:lnSpc>
+                <a:spcPct val="100000"/>
+              </a:lnSpc>
+              <a:spcBef>
+                <a:spcPct val="0"/>
+              </a:spcBef>
+              <a:spcAft>
+                <a:spcPct val="0"/>
+              </a:spcAft>
+              <a:buClrTx/>
+              <a:buSzTx/>
+              <a:buFontTx/>
+              <a:buNone/>
+              <a:tabLst/>
+            </a:pPr>
+            <a:r>
+              <a:rPr kumimoji="0" lang="en-US" altLang="en-US" sz="800" b="0" i="0" u="none" strike="noStrike" cap="none" normalizeH="0" baseline="0" dirty="0">
+                <a:ln>
+                  <a:noFill/>
+                </a:ln>
+                <a:effectLst/>
+                <a:latin typeface="ui-monospace"/>
+              </a:rPr>
+              <a:t>Copy code</a:t>
+            </a:r>
+            <a:endParaRPr kumimoji="0" lang="en-US" altLang="en-US" sz="1000" b="0" i="0" u="none" strike="noStrike" cap="none" normalizeH="0" baseline="0" dirty="0">
+              <a:ln>
+                <a:noFill/>
+              </a:ln>
+              <a:effectLst/>
+              <a:latin typeface="ui-monospace"/>
+            </a:endParaRPr>
+          </a:p>
+          <a:p>
+            <a:pPr marL="0" marR="0" lvl="0" indent="0" algn="l" defTabSz="914400" rtl="0" eaLnBrk="0" fontAlgn="base" latinLnBrk="0" hangingPunct="0">
+              <a:lnSpc>
+                <a:spcPct val="100000"/>
+              </a:lnSpc>
+              <a:spcBef>
+                <a:spcPct val="0"/>
+              </a:spcBef>
+              <a:spcAft>
+                <a:spcPct val="0"/>
+              </a:spcAft>
+              <a:buClrTx/>
+              <a:buSzTx/>
+              <a:buFontTx/>
+              <a:buNone/>
+              <a:tabLst/>
+            </a:pPr>
+            <a:r>
+              <a:rPr kumimoji="0" lang="en-US" altLang="en-US" sz="1000" b="0" i="0" u="none" strike="noStrike" cap="none" normalizeH="0" baseline="0" dirty="0">
+                <a:ln>
+                  <a:noFill/>
+                </a:ln>
+                <a:effectLst/>
+                <a:latin typeface="Fira Code" panose="020B0809050000020004" pitchFamily="49" charset="0"/>
+              </a:rPr>
+              <a:t>GRANT CREATE TABLE ON tbs01 TO B;</a:t>
+            </a:r>
+            <a:endParaRPr kumimoji="0" lang="en-US" altLang="en-US" sz="1800" b="0" i="0" u="none" strike="noStrike" cap="none" normalizeH="0" baseline="0" dirty="0">
+              <a:ln>
+                <a:noFill/>
+              </a:ln>
+              <a:effectLst/>
+              <a:latin typeface="Arial" panose="020B0604020202020204" pitchFamily="34" charset="0"/>
+            </a:endParaRPr>
+          </a:p>
+        </p:txBody>
+      </p:sp>
+    </p:spTree>
+    <p:extLst>
+      <p:ext uri="{BB962C8B-B14F-4D97-AF65-F5344CB8AC3E}">
+        <p14:creationId xmlns:p14="http://schemas.microsoft.com/office/powerpoint/2010/main" val="1733529925"/>
       </p:ext>
     </p:extLst>
   </p:cSld>
@@ -14463,7 +15479,7 @@
         </p:nvSpPr>
         <p:spPr bwMode="blackGray">
           <a:xfrm>
-            <a:off x="1806343" y="3851348"/>
+            <a:off x="2084249" y="3868313"/>
             <a:ext cx="4412198" cy="2576512"/>
           </a:xfrm>
           <a:prstGeom prst="rect">
